--- a/scripts/ppt_generation/test_theme.pptx
+++ b/scripts/ppt_generation/test_theme.pptx
@@ -8,6 +8,7 @@
     <p:sldId id="256" r:id="rId6"/>
     <p:sldId id="257" r:id="rId7"/>
     <p:sldId id="258" r:id="rId8"/>
+    <p:sldId id="259" r:id="rId9"/>
   </p:sldIdLst>
   <p:sldSz cx="12192000" cy="6858000"/>
   <p:notesSz cx="6858000" cy="9144000"/>
@@ -112,6 +113,167 @@
     </p:ext>
   </p:extLst>
 </p:presentation>
+</file>
+
+<file path=ppt/charts/chart1.xml><?xml version="1.0" encoding="utf-8"?>
+<c:chartSpace xmlns:c="http://schemas.openxmlformats.org/drawingml/2006/chart" xmlns:a="http://schemas.openxmlformats.org/drawingml/2006/main" xmlns:r="http://schemas.openxmlformats.org/officeDocument/2006/relationships">
+  <c:date1904 val="0"/>
+  <c:chart>
+    <c:autoTitleDeleted val="0"/>
+    <c:plotArea>
+      <c:barChart>
+        <c:barDir val="col"/>
+        <c:grouping val="stacked"/>
+        <c:ser>
+          <c:idx val="0"/>
+          <c:order val="0"/>
+          <c:tx>
+            <c:strRef>
+              <c:f>Sheet1!$B$1</c:f>
+              <c:strCache>
+                <c:ptCount val="1"/>
+                <c:pt idx="0">
+                  <c:v>Q1 Sales</c:v>
+                </c:pt>
+              </c:strCache>
+            </c:strRef>
+          </c:tx>
+          <c:cat>
+            <c:strRef>
+              <c:f>Sheet1!$A$2:$A$4</c:f>
+              <c:strCache>
+                <c:ptCount val="3"/>
+                <c:pt idx="0">
+                  <c:v>Jan</c:v>
+                </c:pt>
+                <c:pt idx="1">
+                  <c:v>Feb</c:v>
+                </c:pt>
+                <c:pt idx="2">
+                  <c:v>March</c:v>
+                </c:pt>
+              </c:strCache>
+            </c:strRef>
+          </c:cat>
+          <c:val>
+            <c:numRef>
+              <c:f>Sheet1!$B$2:$B$4</c:f>
+              <c:numCache>
+                <c:formatCode>General</c:formatCode>
+                <c:ptCount val="3"/>
+                <c:pt idx="0">
+                  <c:v>19.2</c:v>
+                </c:pt>
+                <c:pt idx="1">
+                  <c:v>-21.4</c:v>
+                </c:pt>
+                <c:pt idx="2">
+                  <c:v>16.7</c:v>
+                </c:pt>
+              </c:numCache>
+            </c:numRef>
+          </c:val>
+        </c:ser>
+        <c:ser>
+          <c:idx val="1"/>
+          <c:order val="1"/>
+          <c:tx>
+            <c:strRef>
+              <c:f>Sheet1!$C$1</c:f>
+              <c:strCache>
+                <c:ptCount val="1"/>
+                <c:pt idx="0">
+                  <c:v>Q2 Sales</c:v>
+                </c:pt>
+              </c:strCache>
+            </c:strRef>
+          </c:tx>
+          <c:cat>
+            <c:strRef>
+              <c:f>Sheet1!$A$2:$A$4</c:f>
+              <c:strCache>
+                <c:ptCount val="3"/>
+                <c:pt idx="0">
+                  <c:v>Jan</c:v>
+                </c:pt>
+                <c:pt idx="1">
+                  <c:v>Feb</c:v>
+                </c:pt>
+                <c:pt idx="2">
+                  <c:v>March</c:v>
+                </c:pt>
+              </c:strCache>
+            </c:strRef>
+          </c:cat>
+          <c:val>
+            <c:numRef>
+              <c:f>Sheet1!$C$2:$C$4</c:f>
+              <c:numCache>
+                <c:formatCode>General</c:formatCode>
+                <c:ptCount val="3"/>
+                <c:pt idx="0">
+                  <c:v>2220</c:v>
+                </c:pt>
+                <c:pt idx="1">
+                  <c:v>2860</c:v>
+                </c:pt>
+                <c:pt idx="2">
+                  <c:v>152</c:v>
+                </c:pt>
+              </c:numCache>
+            </c:numRef>
+          </c:val>
+        </c:ser>
+        <c:overlap val="100"/>
+        <c:axId val="-2068027336"/>
+        <c:axId val="-2113994440"/>
+      </c:barChart>
+      <c:catAx>
+        <c:axId val="-2068027336"/>
+        <c:scaling>
+          <c:orientation val="minMax"/>
+        </c:scaling>
+        <c:delete val="0"/>
+        <c:axPos val="b"/>
+        <c:majorTickMark val="out"/>
+        <c:minorTickMark val="none"/>
+        <c:tickLblPos val="nextTo"/>
+        <c:crossAx val="-2113994440"/>
+        <c:crosses val="autoZero"/>
+        <c:auto val="1"/>
+        <c:lblAlgn val="ctr"/>
+        <c:lblOffset val="100"/>
+        <c:noMultiLvlLbl val="0"/>
+      </c:catAx>
+      <c:valAx>
+        <c:axId val="-2113994440"/>
+        <c:scaling/>
+        <c:delete val="0"/>
+        <c:axPos val="l"/>
+        <c:majorGridlines/>
+        <c:majorTickMark val="out"/>
+        <c:minorTickMark val="none"/>
+        <c:tickLblPos val="nextTo"/>
+        <c:crossAx val="-2068027336"/>
+        <c:crosses val="autoZero"/>
+      </c:valAx>
+    </c:plotArea>
+    <c:dispBlanksAs val="gap"/>
+  </c:chart>
+  <c:txPr>
+    <a:bodyPr/>
+    <a:lstStyle/>
+    <a:p>
+      <a:pPr>
+        <a:defRPr sz="1800"/>
+      </a:pPr>
+      <a:endParaRPr lang="en-US"/>
+    </a:p>
+  </c:txPr>
+  <c:externalData r:id="rId1">
+    <c:autoUpdate val="0"/>
+  </c:externalData>
+</c:chartSpace>
 </file>
 
 <file path=ppt/slideLayouts/slideLayout1.xml><?xml version="1.0" encoding="utf-8"?>
@@ -1205,12 +1367,12 @@
       </p:sp>
       <p:sp>
         <p:nvSpPr>
-          <p:cNvPr id="3" name="Picture Placeholder 2"/>
+          <p:cNvPr id="4" name="Picture Placeholder 3"/>
           <p:cNvSpPr>
             <a:spLocks noGrp="1"/>
           </p:cNvSpPr>
           <p:nvPr>
-            <p:ph type="pic" idx="10" sz="quarter"/>
+            <p:ph type="pic" idx="11" sz="quarter"/>
           </p:nvPr>
         </p:nvSpPr>
         <p:spPr/>
@@ -1941,6 +2103,63 @@
           </a:p>
         </p:txBody>
       </p:sp>
+    </p:spTree>
+  </p:cSld>
+  <p:clrMapOvr>
+    <a:masterClrMapping/>
+  </p:clrMapOvr>
+</p:sld>
+</file>
+
+<file path=ppt/slides/slide4.xml><?xml version="1.0" encoding="utf-8"?>
+<p:sld xmlns:a="http://schemas.openxmlformats.org/drawingml/2006/main" xmlns:p="http://schemas.openxmlformats.org/presentationml/2006/main" xmlns:r="http://schemas.openxmlformats.org/officeDocument/2006/relationships">
+  <p:cSld>
+    <p:spTree>
+      <p:nvGrpSpPr>
+        <p:cNvPr id="1" name=""/>
+        <p:cNvGrpSpPr/>
+        <p:nvPr/>
+      </p:nvGrpSpPr>
+      <p:grpSpPr/>
+      <p:sp>
+        <p:nvSpPr>
+          <p:cNvPr id="2" name="Title 1"/>
+          <p:cNvSpPr>
+            <a:spLocks noGrp="1"/>
+          </p:cNvSpPr>
+          <p:nvPr>
+            <p:ph type="title"/>
+          </p:nvPr>
+        </p:nvSpPr>
+        <p:spPr/>
+        <p:txBody>
+          <a:bodyPr/>
+          <a:lstStyle/>
+          <a:p>
+            <a:r>
+              <a:t>Graphical Representation</a:t>
+            </a:r>
+          </a:p>
+        </p:txBody>
+      </p:sp>
+      <p:graphicFrame>
+        <p:nvGraphicFramePr>
+          <p:cNvPr id="3" name="Chart 2"/>
+          <p:cNvGraphicFramePr>
+            <a:graphicFrameLocks noGrp="1"/>
+          </p:cNvGraphicFramePr>
+          <p:nvPr/>
+        </p:nvGraphicFramePr>
+        <p:xfrm>
+          <a:off x="1828800" y="1828800"/>
+          <a:ext cx="5486400" cy="4114800"/>
+        </p:xfrm>
+        <a:graphic>
+          <a:graphicData uri="http://schemas.openxmlformats.org/drawingml/2006/chart">
+            <c:chart xmlns:c="http://schemas.openxmlformats.org/drawingml/2006/chart" r:id="rId2"/>
+          </a:graphicData>
+        </a:graphic>
+      </p:graphicFrame>
     </p:spTree>
   </p:cSld>
   <p:clrMapOvr>
